--- a/OperatorInterface.pptx
+++ b/OperatorInterface.pptx
@@ -75,10 +75,8 @@
             <a:noAutofit/>
           </a:bodyPr>
           <a:p>
-            <a:endParaRPr b="0" lang="en-US" sz="1800" spc="-1" strike="noStrike">
-              <a:solidFill>
-                <a:srgbClr val="000000"/>
-              </a:solidFill>
+            <a:pPr algn="ctr"/>
+            <a:endParaRPr b="0" lang="en-US" sz="4400" spc="-1" strike="noStrike">
               <a:latin typeface="Arial"/>
             </a:endParaRPr>
           </a:p>
@@ -108,10 +106,7 @@
             <a:normAutofit/>
           </a:bodyPr>
           <a:p>
-            <a:endParaRPr b="0" lang="en-US" sz="2800" spc="-1" strike="noStrike">
-              <a:solidFill>
-                <a:srgbClr val="000000"/>
-              </a:solidFill>
+            <a:endParaRPr b="0" lang="en-US" sz="3200" spc="-1" strike="noStrike">
               <a:latin typeface="Arial"/>
             </a:endParaRPr>
           </a:p>
@@ -141,10 +136,7 @@
             <a:normAutofit/>
           </a:bodyPr>
           <a:p>
-            <a:endParaRPr b="0" lang="en-US" sz="2800" spc="-1" strike="noStrike">
-              <a:solidFill>
-                <a:srgbClr val="000000"/>
-              </a:solidFill>
+            <a:endParaRPr b="0" lang="en-US" sz="3200" spc="-1" strike="noStrike">
               <a:latin typeface="Arial"/>
             </a:endParaRPr>
           </a:p>
@@ -196,10 +188,8 @@
             <a:noAutofit/>
           </a:bodyPr>
           <a:p>
-            <a:endParaRPr b="0" lang="en-US" sz="1800" spc="-1" strike="noStrike">
-              <a:solidFill>
-                <a:srgbClr val="000000"/>
-              </a:solidFill>
+            <a:pPr algn="ctr"/>
+            <a:endParaRPr b="0" lang="en-US" sz="4400" spc="-1" strike="noStrike">
               <a:latin typeface="Arial"/>
             </a:endParaRPr>
           </a:p>
@@ -229,10 +219,7 @@
             <a:normAutofit/>
           </a:bodyPr>
           <a:p>
-            <a:endParaRPr b="0" lang="en-US" sz="2800" spc="-1" strike="noStrike">
-              <a:solidFill>
-                <a:srgbClr val="000000"/>
-              </a:solidFill>
+            <a:endParaRPr b="0" lang="en-US" sz="3200" spc="-1" strike="noStrike">
               <a:latin typeface="Arial"/>
             </a:endParaRPr>
           </a:p>
@@ -262,10 +249,7 @@
             <a:normAutofit/>
           </a:bodyPr>
           <a:p>
-            <a:endParaRPr b="0" lang="en-US" sz="2800" spc="-1" strike="noStrike">
-              <a:solidFill>
-                <a:srgbClr val="000000"/>
-              </a:solidFill>
+            <a:endParaRPr b="0" lang="en-US" sz="3200" spc="-1" strike="noStrike">
               <a:latin typeface="Arial"/>
             </a:endParaRPr>
           </a:p>
@@ -295,10 +279,7 @@
             <a:normAutofit/>
           </a:bodyPr>
           <a:p>
-            <a:endParaRPr b="0" lang="en-US" sz="2800" spc="-1" strike="noStrike">
-              <a:solidFill>
-                <a:srgbClr val="000000"/>
-              </a:solidFill>
+            <a:endParaRPr b="0" lang="en-US" sz="3200" spc="-1" strike="noStrike">
               <a:latin typeface="Arial"/>
             </a:endParaRPr>
           </a:p>
@@ -328,10 +309,7 @@
             <a:normAutofit/>
           </a:bodyPr>
           <a:p>
-            <a:endParaRPr b="0" lang="en-US" sz="2800" spc="-1" strike="noStrike">
-              <a:solidFill>
-                <a:srgbClr val="000000"/>
-              </a:solidFill>
+            <a:endParaRPr b="0" lang="en-US" sz="3200" spc="-1" strike="noStrike">
               <a:latin typeface="Arial"/>
             </a:endParaRPr>
           </a:p>
@@ -383,10 +361,8 @@
             <a:noAutofit/>
           </a:bodyPr>
           <a:p>
-            <a:endParaRPr b="0" lang="en-US" sz="1800" spc="-1" strike="noStrike">
-              <a:solidFill>
-                <a:srgbClr val="000000"/>
-              </a:solidFill>
+            <a:pPr algn="ctr"/>
+            <a:endParaRPr b="0" lang="en-US" sz="4400" spc="-1" strike="noStrike">
               <a:latin typeface="Arial"/>
             </a:endParaRPr>
           </a:p>
@@ -416,10 +392,7 @@
             <a:normAutofit/>
           </a:bodyPr>
           <a:p>
-            <a:endParaRPr b="0" lang="en-US" sz="2800" spc="-1" strike="noStrike">
-              <a:solidFill>
-                <a:srgbClr val="000000"/>
-              </a:solidFill>
+            <a:endParaRPr b="0" lang="en-US" sz="3200" spc="-1" strike="noStrike">
               <a:latin typeface="Arial"/>
             </a:endParaRPr>
           </a:p>
@@ -449,10 +422,7 @@
             <a:normAutofit/>
           </a:bodyPr>
           <a:p>
-            <a:endParaRPr b="0" lang="en-US" sz="2800" spc="-1" strike="noStrike">
-              <a:solidFill>
-                <a:srgbClr val="000000"/>
-              </a:solidFill>
+            <a:endParaRPr b="0" lang="en-US" sz="3200" spc="-1" strike="noStrike">
               <a:latin typeface="Arial"/>
             </a:endParaRPr>
           </a:p>
@@ -482,10 +452,7 @@
             <a:normAutofit/>
           </a:bodyPr>
           <a:p>
-            <a:endParaRPr b="0" lang="en-US" sz="2800" spc="-1" strike="noStrike">
-              <a:solidFill>
-                <a:srgbClr val="000000"/>
-              </a:solidFill>
+            <a:endParaRPr b="0" lang="en-US" sz="3200" spc="-1" strike="noStrike">
               <a:latin typeface="Arial"/>
             </a:endParaRPr>
           </a:p>
@@ -515,10 +482,7 @@
             <a:normAutofit/>
           </a:bodyPr>
           <a:p>
-            <a:endParaRPr b="0" lang="en-US" sz="2800" spc="-1" strike="noStrike">
-              <a:solidFill>
-                <a:srgbClr val="000000"/>
-              </a:solidFill>
+            <a:endParaRPr b="0" lang="en-US" sz="3200" spc="-1" strike="noStrike">
               <a:latin typeface="Arial"/>
             </a:endParaRPr>
           </a:p>
@@ -548,10 +512,7 @@
             <a:normAutofit/>
           </a:bodyPr>
           <a:p>
-            <a:endParaRPr b="0" lang="en-US" sz="2800" spc="-1" strike="noStrike">
-              <a:solidFill>
-                <a:srgbClr val="000000"/>
-              </a:solidFill>
+            <a:endParaRPr b="0" lang="en-US" sz="3200" spc="-1" strike="noStrike">
               <a:latin typeface="Arial"/>
             </a:endParaRPr>
           </a:p>
@@ -581,10 +542,7 @@
             <a:normAutofit/>
           </a:bodyPr>
           <a:p>
-            <a:endParaRPr b="0" lang="en-US" sz="2800" spc="-1" strike="noStrike">
-              <a:solidFill>
-                <a:srgbClr val="000000"/>
-              </a:solidFill>
+            <a:endParaRPr b="0" lang="en-US" sz="3200" spc="-1" strike="noStrike">
               <a:latin typeface="Arial"/>
             </a:endParaRPr>
           </a:p>
@@ -636,10 +594,8 @@
             <a:noAutofit/>
           </a:bodyPr>
           <a:p>
-            <a:endParaRPr b="0" lang="en-US" sz="1800" spc="-1" strike="noStrike">
-              <a:solidFill>
-                <a:srgbClr val="000000"/>
-              </a:solidFill>
+            <a:pPr algn="ctr"/>
+            <a:endParaRPr b="0" lang="en-US" sz="4400" spc="-1" strike="noStrike">
               <a:latin typeface="Arial"/>
             </a:endParaRPr>
           </a:p>
@@ -722,10 +678,8 @@
             <a:noAutofit/>
           </a:bodyPr>
           <a:p>
-            <a:endParaRPr b="0" lang="en-US" sz="1800" spc="-1" strike="noStrike">
-              <a:solidFill>
-                <a:srgbClr val="000000"/>
-              </a:solidFill>
+            <a:pPr algn="ctr"/>
+            <a:endParaRPr b="0" lang="en-US" sz="4400" spc="-1" strike="noStrike">
               <a:latin typeface="Arial"/>
             </a:endParaRPr>
           </a:p>
@@ -755,10 +709,7 @@
             <a:normAutofit/>
           </a:bodyPr>
           <a:p>
-            <a:endParaRPr b="0" lang="en-US" sz="2800" spc="-1" strike="noStrike">
-              <a:solidFill>
-                <a:srgbClr val="000000"/>
-              </a:solidFill>
+            <a:endParaRPr b="0" lang="en-US" sz="3200" spc="-1" strike="noStrike">
               <a:latin typeface="Arial"/>
             </a:endParaRPr>
           </a:p>
@@ -810,10 +761,8 @@
             <a:noAutofit/>
           </a:bodyPr>
           <a:p>
-            <a:endParaRPr b="0" lang="en-US" sz="1800" spc="-1" strike="noStrike">
-              <a:solidFill>
-                <a:srgbClr val="000000"/>
-              </a:solidFill>
+            <a:pPr algn="ctr"/>
+            <a:endParaRPr b="0" lang="en-US" sz="4400" spc="-1" strike="noStrike">
               <a:latin typeface="Arial"/>
             </a:endParaRPr>
           </a:p>
@@ -843,10 +792,7 @@
             <a:normAutofit/>
           </a:bodyPr>
           <a:p>
-            <a:endParaRPr b="0" lang="en-US" sz="2800" spc="-1" strike="noStrike">
-              <a:solidFill>
-                <a:srgbClr val="000000"/>
-              </a:solidFill>
+            <a:endParaRPr b="0" lang="en-US" sz="3200" spc="-1" strike="noStrike">
               <a:latin typeface="Arial"/>
             </a:endParaRPr>
           </a:p>
@@ -876,10 +822,7 @@
             <a:normAutofit/>
           </a:bodyPr>
           <a:p>
-            <a:endParaRPr b="0" lang="en-US" sz="2800" spc="-1" strike="noStrike">
-              <a:solidFill>
-                <a:srgbClr val="000000"/>
-              </a:solidFill>
+            <a:endParaRPr b="0" lang="en-US" sz="3200" spc="-1" strike="noStrike">
               <a:latin typeface="Arial"/>
             </a:endParaRPr>
           </a:p>
@@ -931,10 +874,8 @@
             <a:noAutofit/>
           </a:bodyPr>
           <a:p>
-            <a:endParaRPr b="0" lang="en-US" sz="1800" spc="-1" strike="noStrike">
-              <a:solidFill>
-                <a:srgbClr val="000000"/>
-              </a:solidFill>
+            <a:pPr algn="ctr"/>
+            <a:endParaRPr b="0" lang="en-US" sz="4400" spc="-1" strike="noStrike">
               <a:latin typeface="Arial"/>
             </a:endParaRPr>
           </a:p>
@@ -1039,10 +980,8 @@
             <a:noAutofit/>
           </a:bodyPr>
           <a:p>
-            <a:endParaRPr b="0" lang="en-US" sz="1800" spc="-1" strike="noStrike">
-              <a:solidFill>
-                <a:srgbClr val="000000"/>
-              </a:solidFill>
+            <a:pPr algn="ctr"/>
+            <a:endParaRPr b="0" lang="en-US" sz="4400" spc="-1" strike="noStrike">
               <a:latin typeface="Arial"/>
             </a:endParaRPr>
           </a:p>
@@ -1072,10 +1011,7 @@
             <a:normAutofit/>
           </a:bodyPr>
           <a:p>
-            <a:endParaRPr b="0" lang="en-US" sz="2800" spc="-1" strike="noStrike">
-              <a:solidFill>
-                <a:srgbClr val="000000"/>
-              </a:solidFill>
+            <a:endParaRPr b="0" lang="en-US" sz="3200" spc="-1" strike="noStrike">
               <a:latin typeface="Arial"/>
             </a:endParaRPr>
           </a:p>
@@ -1105,10 +1041,7 @@
             <a:normAutofit/>
           </a:bodyPr>
           <a:p>
-            <a:endParaRPr b="0" lang="en-US" sz="2800" spc="-1" strike="noStrike">
-              <a:solidFill>
-                <a:srgbClr val="000000"/>
-              </a:solidFill>
+            <a:endParaRPr b="0" lang="en-US" sz="3200" spc="-1" strike="noStrike">
               <a:latin typeface="Arial"/>
             </a:endParaRPr>
           </a:p>
@@ -1138,10 +1071,7 @@
             <a:normAutofit/>
           </a:bodyPr>
           <a:p>
-            <a:endParaRPr b="0" lang="en-US" sz="2800" spc="-1" strike="noStrike">
-              <a:solidFill>
-                <a:srgbClr val="000000"/>
-              </a:solidFill>
+            <a:endParaRPr b="0" lang="en-US" sz="3200" spc="-1" strike="noStrike">
               <a:latin typeface="Arial"/>
             </a:endParaRPr>
           </a:p>
@@ -1193,10 +1123,8 @@
             <a:noAutofit/>
           </a:bodyPr>
           <a:p>
-            <a:endParaRPr b="0" lang="en-US" sz="1800" spc="-1" strike="noStrike">
-              <a:solidFill>
-                <a:srgbClr val="000000"/>
-              </a:solidFill>
+            <a:pPr algn="ctr"/>
+            <a:endParaRPr b="0" lang="en-US" sz="4400" spc="-1" strike="noStrike">
               <a:latin typeface="Arial"/>
             </a:endParaRPr>
           </a:p>
@@ -1226,10 +1154,7 @@
             <a:normAutofit/>
           </a:bodyPr>
           <a:p>
-            <a:endParaRPr b="0" lang="en-US" sz="2800" spc="-1" strike="noStrike">
-              <a:solidFill>
-                <a:srgbClr val="000000"/>
-              </a:solidFill>
+            <a:endParaRPr b="0" lang="en-US" sz="3200" spc="-1" strike="noStrike">
               <a:latin typeface="Arial"/>
             </a:endParaRPr>
           </a:p>
@@ -1259,10 +1184,7 @@
             <a:normAutofit/>
           </a:bodyPr>
           <a:p>
-            <a:endParaRPr b="0" lang="en-US" sz="2800" spc="-1" strike="noStrike">
-              <a:solidFill>
-                <a:srgbClr val="000000"/>
-              </a:solidFill>
+            <a:endParaRPr b="0" lang="en-US" sz="3200" spc="-1" strike="noStrike">
               <a:latin typeface="Arial"/>
             </a:endParaRPr>
           </a:p>
@@ -1292,10 +1214,7 @@
             <a:normAutofit/>
           </a:bodyPr>
           <a:p>
-            <a:endParaRPr b="0" lang="en-US" sz="2800" spc="-1" strike="noStrike">
-              <a:solidFill>
-                <a:srgbClr val="000000"/>
-              </a:solidFill>
+            <a:endParaRPr b="0" lang="en-US" sz="3200" spc="-1" strike="noStrike">
               <a:latin typeface="Arial"/>
             </a:endParaRPr>
           </a:p>
@@ -1347,10 +1266,8 @@
             <a:noAutofit/>
           </a:bodyPr>
           <a:p>
-            <a:endParaRPr b="0" lang="en-US" sz="1800" spc="-1" strike="noStrike">
-              <a:solidFill>
-                <a:srgbClr val="000000"/>
-              </a:solidFill>
+            <a:pPr algn="ctr"/>
+            <a:endParaRPr b="0" lang="en-US" sz="4400" spc="-1" strike="noStrike">
               <a:latin typeface="Arial"/>
             </a:endParaRPr>
           </a:p>
@@ -1380,10 +1297,7 @@
             <a:normAutofit/>
           </a:bodyPr>
           <a:p>
-            <a:endParaRPr b="0" lang="en-US" sz="2800" spc="-1" strike="noStrike">
-              <a:solidFill>
-                <a:srgbClr val="000000"/>
-              </a:solidFill>
+            <a:endParaRPr b="0" lang="en-US" sz="3200" spc="-1" strike="noStrike">
               <a:latin typeface="Arial"/>
             </a:endParaRPr>
           </a:p>
@@ -1413,10 +1327,7 @@
             <a:normAutofit/>
           </a:bodyPr>
           <a:p>
-            <a:endParaRPr b="0" lang="en-US" sz="2800" spc="-1" strike="noStrike">
-              <a:solidFill>
-                <a:srgbClr val="000000"/>
-              </a:solidFill>
+            <a:endParaRPr b="0" lang="en-US" sz="3200" spc="-1" strike="noStrike">
               <a:latin typeface="Arial"/>
             </a:endParaRPr>
           </a:p>
@@ -1446,10 +1357,7 @@
             <a:normAutofit/>
           </a:bodyPr>
           <a:p>
-            <a:endParaRPr b="0" lang="en-US" sz="2800" spc="-1" strike="noStrike">
-              <a:solidFill>
-                <a:srgbClr val="000000"/>
-              </a:solidFill>
+            <a:endParaRPr b="0" lang="en-US" sz="3200" spc="-1" strike="noStrike">
               <a:latin typeface="Arial"/>
             </a:endParaRPr>
           </a:p>
@@ -1508,19 +1416,14 @@
             <a:noAutofit/>
           </a:bodyPr>
           <a:p>
+            <a:pPr algn="ctr"/>
             <a:r>
-              <a:rPr b="0" lang="en-US" sz="1800" spc="-1" strike="noStrike">
-                <a:solidFill>
-                  <a:srgbClr val="000000"/>
-                </a:solidFill>
+              <a:rPr b="0" lang="en-US" sz="4400" spc="-1" strike="noStrike">
                 <a:latin typeface="Arial"/>
               </a:rPr>
               <a:t>Click to edit the title text format</a:t>
             </a:r>
-            <a:endParaRPr b="0" lang="en-US" sz="1800" spc="-1" strike="noStrike">
-              <a:solidFill>
-                <a:srgbClr val="000000"/>
-              </a:solidFill>
+            <a:endParaRPr b="0" lang="en-US" sz="4400" spc="-1" strike="noStrike">
               <a:latin typeface="Arial"/>
             </a:endParaRPr>
           </a:p>
@@ -1562,18 +1465,12 @@
               <a:buChar char=""/>
             </a:pPr>
             <a:r>
-              <a:rPr b="0" lang="en-US" sz="2800" spc="-1" strike="noStrike">
-                <a:solidFill>
-                  <a:srgbClr val="000000"/>
-                </a:solidFill>
+              <a:rPr b="0" lang="en-US" sz="3200" spc="-1" strike="noStrike">
                 <a:latin typeface="Arial"/>
               </a:rPr>
               <a:t>Click to edit the outline text format</a:t>
             </a:r>
-            <a:endParaRPr b="0" lang="en-US" sz="2800" spc="-1" strike="noStrike">
-              <a:solidFill>
-                <a:srgbClr val="000000"/>
-              </a:solidFill>
+            <a:endParaRPr b="0" lang="en-US" sz="3200" spc="-1" strike="noStrike">
               <a:latin typeface="Arial"/>
             </a:endParaRPr>
           </a:p>
@@ -1590,18 +1487,12 @@
               <a:buChar char=""/>
             </a:pPr>
             <a:r>
-              <a:rPr b="0" lang="en-US" sz="2000" spc="-1" strike="noStrike">
-                <a:solidFill>
-                  <a:srgbClr val="000000"/>
-                </a:solidFill>
+              <a:rPr b="0" lang="en-US" sz="2800" spc="-1" strike="noStrike">
                 <a:latin typeface="Arial"/>
               </a:rPr>
               <a:t>Second Outline Level</a:t>
             </a:r>
-            <a:endParaRPr b="0" lang="en-US" sz="2000" spc="-1" strike="noStrike">
-              <a:solidFill>
-                <a:srgbClr val="000000"/>
-              </a:solidFill>
+            <a:endParaRPr b="0" lang="en-US" sz="2800" spc="-1" strike="noStrike">
               <a:latin typeface="Arial"/>
             </a:endParaRPr>
           </a:p>
@@ -1618,18 +1509,12 @@
               <a:buChar char=""/>
             </a:pPr>
             <a:r>
-              <a:rPr b="0" lang="en-US" sz="1800" spc="-1" strike="noStrike">
-                <a:solidFill>
-                  <a:srgbClr val="000000"/>
-                </a:solidFill>
+              <a:rPr b="0" lang="en-US" sz="2400" spc="-1" strike="noStrike">
                 <a:latin typeface="Arial"/>
               </a:rPr>
               <a:t>Third Outline Level</a:t>
             </a:r>
-            <a:endParaRPr b="0" lang="en-US" sz="1800" spc="-1" strike="noStrike">
-              <a:solidFill>
-                <a:srgbClr val="000000"/>
-              </a:solidFill>
+            <a:endParaRPr b="0" lang="en-US" sz="2400" spc="-1" strike="noStrike">
               <a:latin typeface="Arial"/>
             </a:endParaRPr>
           </a:p>
@@ -1646,18 +1531,12 @@
               <a:buChar char=""/>
             </a:pPr>
             <a:r>
-              <a:rPr b="0" lang="en-US" sz="1800" spc="-1" strike="noStrike">
-                <a:solidFill>
-                  <a:srgbClr val="000000"/>
-                </a:solidFill>
+              <a:rPr b="0" lang="en-US" sz="2000" spc="-1" strike="noStrike">
                 <a:latin typeface="Arial"/>
               </a:rPr>
               <a:t>Fourth Outline Level</a:t>
             </a:r>
-            <a:endParaRPr b="0" lang="en-US" sz="1800" spc="-1" strike="noStrike">
-              <a:solidFill>
-                <a:srgbClr val="000000"/>
-              </a:solidFill>
+            <a:endParaRPr b="0" lang="en-US" sz="2000" spc="-1" strike="noStrike">
               <a:latin typeface="Arial"/>
             </a:endParaRPr>
           </a:p>
@@ -1675,17 +1554,11 @@
             </a:pPr>
             <a:r>
               <a:rPr b="0" lang="en-US" sz="2000" spc="-1" strike="noStrike">
-                <a:solidFill>
-                  <a:srgbClr val="000000"/>
-                </a:solidFill>
                 <a:latin typeface="Arial"/>
               </a:rPr>
               <a:t>Fifth Outline Level</a:t>
             </a:r>
             <a:endParaRPr b="0" lang="en-US" sz="2000" spc="-1" strike="noStrike">
-              <a:solidFill>
-                <a:srgbClr val="000000"/>
-              </a:solidFill>
               <a:latin typeface="Arial"/>
             </a:endParaRPr>
           </a:p>
@@ -1703,17 +1576,11 @@
             </a:pPr>
             <a:r>
               <a:rPr b="0" lang="en-US" sz="2000" spc="-1" strike="noStrike">
-                <a:solidFill>
-                  <a:srgbClr val="000000"/>
-                </a:solidFill>
                 <a:latin typeface="Arial"/>
               </a:rPr>
               <a:t>Sixth Outline Level</a:t>
             </a:r>
             <a:endParaRPr b="0" lang="en-US" sz="2000" spc="-1" strike="noStrike">
-              <a:solidFill>
-                <a:srgbClr val="000000"/>
-              </a:solidFill>
               <a:latin typeface="Arial"/>
             </a:endParaRPr>
           </a:p>
@@ -1731,17 +1598,11 @@
             </a:pPr>
             <a:r>
               <a:rPr b="0" lang="en-US" sz="2000" spc="-1" strike="noStrike">
-                <a:solidFill>
-                  <a:srgbClr val="000000"/>
-                </a:solidFill>
                 <a:latin typeface="Arial"/>
               </a:rPr>
               <a:t>Seventh Outline Level</a:t>
             </a:r>
             <a:endParaRPr b="0" lang="en-US" sz="2000" spc="-1" strike="noStrike">
-              <a:solidFill>
-                <a:srgbClr val="000000"/>
-              </a:solidFill>
               <a:latin typeface="Arial"/>
             </a:endParaRPr>
           </a:p>
@@ -1798,7 +1659,7 @@
         <p:spPr>
           <a:xfrm>
             <a:off x="2462400" y="2145600"/>
-            <a:ext cx="7495200" cy="4623840"/>
+            <a:ext cx="7494840" cy="4623480"/>
           </a:xfrm>
           <a:prstGeom prst="rect">
             <a:avLst/>
@@ -1817,7 +1678,7 @@
         <p:spPr>
           <a:xfrm>
             <a:off x="247680" y="4326840"/>
-            <a:ext cx="3285360" cy="638280"/>
+            <a:ext cx="3285000" cy="638280"/>
           </a:xfrm>
           <a:prstGeom prst="rect">
             <a:avLst/>
@@ -1893,8 +1754,8 @@
         </p:nvSpPr>
         <p:spPr>
           <a:xfrm flipH="1" rot="10800000">
-            <a:off x="2323080" y="3715200"/>
-            <a:ext cx="1855080" cy="666360"/>
+            <a:off x="2323080" y="3715560"/>
+            <a:ext cx="1854720" cy="666000"/>
           </a:xfrm>
           <a:custGeom>
             <a:avLst/>
@@ -1937,7 +1798,7 @@
         <p:spPr>
           <a:xfrm>
             <a:off x="447840" y="685800"/>
-            <a:ext cx="2295360" cy="912600"/>
+            <a:ext cx="2295000" cy="912600"/>
           </a:xfrm>
           <a:prstGeom prst="rect">
             <a:avLst/>
@@ -2014,7 +1875,7 @@
         <p:spPr>
           <a:xfrm>
             <a:off x="2286000" y="1371600"/>
-            <a:ext cx="1621440" cy="1053720"/>
+            <a:ext cx="1621080" cy="1053360"/>
           </a:xfrm>
           <a:custGeom>
             <a:avLst/>
@@ -2056,8 +1917,8 @@
         </p:nvSpPr>
         <p:spPr>
           <a:xfrm>
-            <a:off x="8915400" y="1051920"/>
-            <a:ext cx="2876040" cy="1735560"/>
+            <a:off x="8915400" y="1601280"/>
+            <a:ext cx="2875680" cy="913320"/>
           </a:xfrm>
           <a:prstGeom prst="rect">
             <a:avLst/>
@@ -2077,42 +1938,6 @@
           <a:bodyPr lIns="90000" rIns="90000" tIns="45000" bIns="45000">
             <a:spAutoFit/>
           </a:bodyPr>
-          <a:p>
-            <a:pPr>
-              <a:lnSpc>
-                <a:spcPct val="100000"/>
-              </a:lnSpc>
-              <a:tabLst>
-                <a:tab algn="l" pos="0"/>
-              </a:tabLst>
-            </a:pPr>
-            <a:r>
-              <a:rPr b="0" lang="en-US" sz="1800" spc="-1" strike="noStrike">
-                <a:solidFill>
-                  <a:srgbClr val="000000"/>
-                </a:solidFill>
-                <a:latin typeface="Arial"/>
-                <a:ea typeface="Arial"/>
-              </a:rPr>
-              <a:t>Right trigger: Rotate to ball</a:t>
-            </a:r>
-            <a:endParaRPr b="0" lang="en-US" sz="1800" spc="-1" strike="noStrike">
-              <a:latin typeface="Arial"/>
-            </a:endParaRPr>
-          </a:p>
-          <a:p>
-            <a:pPr>
-              <a:lnSpc>
-                <a:spcPct val="100000"/>
-              </a:lnSpc>
-              <a:tabLst>
-                <a:tab algn="l" pos="0"/>
-              </a:tabLst>
-            </a:pPr>
-            <a:endParaRPr b="0" lang="en-US" sz="1800" spc="-1" strike="noStrike">
-              <a:latin typeface="Arial"/>
-            </a:endParaRPr>
-          </a:p>
           <a:p>
             <a:pPr>
               <a:lnSpc>
@@ -2169,8 +1994,8 @@
         </p:nvSpPr>
         <p:spPr>
           <a:xfrm flipH="1">
-            <a:off x="8038440" y="1686960"/>
-            <a:ext cx="818280" cy="617400"/>
+            <a:off x="7971480" y="2187000"/>
+            <a:ext cx="884880" cy="514800"/>
           </a:xfrm>
           <a:custGeom>
             <a:avLst/>
@@ -2211,9 +2036,9 @@
           <p:nvPr/>
         </p:nvSpPr>
         <p:spPr>
-          <a:xfrm flipH="1">
-            <a:off x="7971480" y="2187000"/>
-            <a:ext cx="885240" cy="515160"/>
+          <a:xfrm rot="10800000">
+            <a:off x="8001360" y="3657240"/>
+            <a:ext cx="1523520" cy="668520"/>
           </a:xfrm>
           <a:custGeom>
             <a:avLst/>
@@ -2254,9 +2079,140 @@
           <p:nvPr/>
         </p:nvSpPr>
         <p:spPr>
-          <a:xfrm rot="10800000">
-            <a:off x="8001000" y="3657240"/>
-            <a:ext cx="1523880" cy="668880"/>
+          <a:xfrm>
+            <a:off x="3936960" y="198360"/>
+            <a:ext cx="5266080" cy="699480"/>
+          </a:xfrm>
+          <a:prstGeom prst="rect">
+            <a:avLst/>
+          </a:prstGeom>
+          <a:noFill/>
+          <a:ln w="0">
+            <a:noFill/>
+          </a:ln>
+        </p:spPr>
+        <p:style>
+          <a:lnRef idx="0"/>
+          <a:fillRef idx="0"/>
+          <a:effectRef idx="0"/>
+          <a:fontRef idx="minor"/>
+        </p:style>
+        <p:txBody>
+          <a:bodyPr lIns="90000" rIns="90000" tIns="45000" bIns="45000">
+            <a:spAutoFit/>
+          </a:bodyPr>
+          <a:p>
+            <a:pPr>
+              <a:lnSpc>
+                <a:spcPct val="100000"/>
+              </a:lnSpc>
+              <a:tabLst>
+                <a:tab algn="l" pos="0"/>
+              </a:tabLst>
+            </a:pPr>
+            <a:r>
+              <a:rPr b="0" lang="en-US" sz="4000" spc="-1" strike="noStrike">
+                <a:solidFill>
+                  <a:srgbClr val="000000"/>
+                </a:solidFill>
+                <a:latin typeface="Arial"/>
+                <a:ea typeface="Arial"/>
+              </a:rPr>
+              <a:t>Swervy Robot</a:t>
+            </a:r>
+            <a:endParaRPr b="0" lang="en-US" sz="4000" spc="-1" strike="noStrike">
+              <a:latin typeface="Arial"/>
+            </a:endParaRPr>
+          </a:p>
+        </p:txBody>
+      </p:sp>
+      <p:sp>
+        <p:nvSpPr>
+          <p:cNvPr id="47" name="CustomShape 9"/>
+          <p:cNvSpPr/>
+          <p:nvPr/>
+        </p:nvSpPr>
+        <p:spPr>
+          <a:xfrm>
+            <a:off x="3936960" y="6108840"/>
+            <a:ext cx="2525400" cy="638640"/>
+          </a:xfrm>
+          <a:prstGeom prst="rect">
+            <a:avLst/>
+          </a:prstGeom>
+          <a:noFill/>
+          <a:ln w="0">
+            <a:noFill/>
+          </a:ln>
+        </p:spPr>
+        <p:style>
+          <a:lnRef idx="0"/>
+          <a:fillRef idx="0"/>
+          <a:effectRef idx="0"/>
+          <a:fontRef idx="minor"/>
+        </p:style>
+        <p:txBody>
+          <a:bodyPr lIns="90000" rIns="90000" tIns="45000" bIns="45000">
+            <a:spAutoFit/>
+          </a:bodyPr>
+          <a:p>
+            <a:pPr>
+              <a:lnSpc>
+                <a:spcPct val="100000"/>
+              </a:lnSpc>
+              <a:tabLst>
+                <a:tab algn="l" pos="0"/>
+              </a:tabLst>
+            </a:pPr>
+            <a:r>
+              <a:rPr b="0" lang="en-US" sz="1800" spc="-1" strike="noStrike">
+                <a:solidFill>
+                  <a:srgbClr val="000000"/>
+                </a:solidFill>
+                <a:latin typeface="Arial"/>
+                <a:ea typeface="Arial"/>
+              </a:rPr>
+              <a:t>Arm up/down,</a:t>
+            </a:r>
+            <a:endParaRPr b="0" lang="en-US" sz="1800" spc="-1" strike="noStrike">
+              <a:latin typeface="Arial"/>
+            </a:endParaRPr>
+          </a:p>
+          <a:p>
+            <a:pPr>
+              <a:lnSpc>
+                <a:spcPct val="100000"/>
+              </a:lnSpc>
+              <a:tabLst>
+                <a:tab algn="l" pos="0"/>
+              </a:tabLst>
+            </a:pPr>
+            <a:r>
+              <a:rPr b="0" lang="en-US" sz="1800" spc="-1" strike="noStrike">
+                <a:solidFill>
+                  <a:srgbClr val="000000"/>
+                </a:solidFill>
+                <a:latin typeface="Arial"/>
+                <a:ea typeface="DejaVu Sans"/>
+              </a:rPr>
+              <a:t>Right to reverse intake</a:t>
+            </a:r>
+            <a:endParaRPr b="0" lang="en-US" sz="1800" spc="-1" strike="noStrike">
+              <a:latin typeface="Arial"/>
+            </a:endParaRPr>
+          </a:p>
+        </p:txBody>
+      </p:sp>
+      <p:sp>
+        <p:nvSpPr>
+          <p:cNvPr id="48" name="CustomShape 10"/>
+          <p:cNvSpPr/>
+          <p:nvPr/>
+        </p:nvSpPr>
+        <p:spPr>
+          <a:xfrm flipH="1" rot="10800000">
+            <a:off x="5086080" y="5301360"/>
+            <a:ext cx="237600" cy="807480"/>
           </a:xfrm>
           <a:custGeom>
             <a:avLst/>
@@ -2292,73 +2248,21 @@
       </p:sp>
       <p:sp>
         <p:nvSpPr>
-          <p:cNvPr id="47" name="CustomShape 9"/>
+          <p:cNvPr id="49" name="CustomShape 11"/>
           <p:cNvSpPr/>
           <p:nvPr/>
         </p:nvSpPr>
         <p:spPr>
           <a:xfrm>
-            <a:off x="3936960" y="198360"/>
-            <a:ext cx="5266440" cy="699840"/>
-          </a:xfrm>
-          <a:prstGeom prst="rect">
-            <a:avLst/>
-          </a:prstGeom>
-          <a:noFill/>
-          <a:ln w="0">
-            <a:noFill/>
-          </a:ln>
-        </p:spPr>
-        <p:style>
-          <a:lnRef idx="0"/>
-          <a:fillRef idx="0"/>
-          <a:effectRef idx="0"/>
-          <a:fontRef idx="minor"/>
-        </p:style>
-        <p:txBody>
-          <a:bodyPr lIns="90000" rIns="90000" tIns="45000" bIns="45000">
-            <a:spAutoFit/>
-          </a:bodyPr>
-          <a:p>
-            <a:pPr>
-              <a:lnSpc>
-                <a:spcPct val="100000"/>
-              </a:lnSpc>
-              <a:tabLst>
-                <a:tab algn="l" pos="0"/>
-              </a:tabLst>
-            </a:pPr>
-            <a:r>
-              <a:rPr b="0" lang="en-US" sz="4000" spc="-1" strike="noStrike">
-                <a:solidFill>
-                  <a:srgbClr val="000000"/>
-                </a:solidFill>
-                <a:latin typeface="Arial"/>
-                <a:ea typeface="Arial"/>
-              </a:rPr>
-              <a:t>Main Controller</a:t>
-            </a:r>
-            <a:endParaRPr b="0" lang="en-US" sz="4000" spc="-1" strike="noStrike">
-              <a:latin typeface="Arial"/>
-            </a:endParaRPr>
-          </a:p>
-        </p:txBody>
-      </p:sp>
-      <p:sp>
-        <p:nvSpPr>
-          <p:cNvPr id="48" name="CustomShape 10"/>
-          <p:cNvSpPr/>
-          <p:nvPr/>
-        </p:nvSpPr>
-        <p:spPr>
-          <a:xfrm>
-            <a:off x="3936960" y="6108840"/>
-            <a:ext cx="2525760" cy="639000"/>
-          </a:xfrm>
-          <a:prstGeom prst="rect">
-            <a:avLst/>
-          </a:prstGeom>
-          <a:noFill/>
+            <a:off x="8229600" y="5257800"/>
+            <a:ext cx="996120" cy="364320"/>
+          </a:xfrm>
+          <a:prstGeom prst="rect">
+            <a:avLst/>
+          </a:prstGeom>
+          <a:solidFill>
+            <a:schemeClr val="lt1"/>
+          </a:solidFill>
           <a:ln w="0">
             <a:noFill/>
           </a:ln>
@@ -2390,47 +2294,24 @@
                 <a:latin typeface="Arial"/>
                 <a:ea typeface="Arial"/>
               </a:rPr>
-              <a:t>Arm up/down,</a:t>
+              <a:t>Rotate</a:t>
             </a:r>
             <a:endParaRPr b="0" lang="en-US" sz="1800" spc="-1" strike="noStrike">
               <a:latin typeface="Arial"/>
             </a:endParaRPr>
           </a:p>
-          <a:p>
-            <a:pPr>
-              <a:lnSpc>
-                <a:spcPct val="100000"/>
-              </a:lnSpc>
-              <a:tabLst>
-                <a:tab algn="l" pos="0"/>
-              </a:tabLst>
-            </a:pPr>
-            <a:r>
-              <a:rPr b="0" lang="en-US" sz="1800" spc="-1" strike="noStrike">
-                <a:solidFill>
-                  <a:srgbClr val="000000"/>
-                </a:solidFill>
-                <a:latin typeface="Arial"/>
-                <a:ea typeface="DejaVu Sans"/>
-              </a:rPr>
-              <a:t>Right to reverse intake</a:t>
-            </a:r>
-            <a:endParaRPr b="0" lang="en-US" sz="1800" spc="-1" strike="noStrike">
-              <a:latin typeface="Arial"/>
-            </a:endParaRPr>
-          </a:p>
-        </p:txBody>
-      </p:sp>
-      <p:sp>
-        <p:nvSpPr>
-          <p:cNvPr id="49" name="CustomShape 11"/>
+        </p:txBody>
+      </p:sp>
+      <p:sp>
+        <p:nvSpPr>
+          <p:cNvPr id="50" name="CustomShape 12"/>
           <p:cNvSpPr/>
           <p:nvPr/>
         </p:nvSpPr>
         <p:spPr>
-          <a:xfrm flipH="1" rot="10800000">
-            <a:off x="5085720" y="5301000"/>
-            <a:ext cx="237960" cy="807840"/>
+          <a:xfrm rot="10800000">
+            <a:off x="7482600" y="4821840"/>
+            <a:ext cx="747000" cy="435960"/>
           </a:xfrm>
           <a:custGeom>
             <a:avLst/>
@@ -2466,113 +2347,14 @@
       </p:sp>
       <p:sp>
         <p:nvSpPr>
-          <p:cNvPr id="50" name="CustomShape 12"/>
-          <p:cNvSpPr/>
-          <p:nvPr/>
-        </p:nvSpPr>
-        <p:spPr>
-          <a:xfrm>
-            <a:off x="8229600" y="5257800"/>
-            <a:ext cx="996480" cy="364680"/>
-          </a:xfrm>
-          <a:prstGeom prst="rect">
-            <a:avLst/>
-          </a:prstGeom>
-          <a:solidFill>
-            <a:schemeClr val="lt1"/>
-          </a:solidFill>
-          <a:ln w="0">
-            <a:noFill/>
-          </a:ln>
-        </p:spPr>
-        <p:style>
-          <a:lnRef idx="0"/>
-          <a:fillRef idx="0"/>
-          <a:effectRef idx="0"/>
-          <a:fontRef idx="minor"/>
-        </p:style>
-        <p:txBody>
-          <a:bodyPr lIns="90000" rIns="90000" tIns="45000" bIns="45000">
-            <a:spAutoFit/>
-          </a:bodyPr>
-          <a:p>
-            <a:pPr>
-              <a:lnSpc>
-                <a:spcPct val="100000"/>
-              </a:lnSpc>
-              <a:tabLst>
-                <a:tab algn="l" pos="0"/>
-              </a:tabLst>
-            </a:pPr>
-            <a:r>
-              <a:rPr b="0" lang="en-US" sz="1800" spc="-1" strike="noStrike">
-                <a:solidFill>
-                  <a:srgbClr val="000000"/>
-                </a:solidFill>
-                <a:latin typeface="Arial"/>
-                <a:ea typeface="Arial"/>
-              </a:rPr>
-              <a:t>Rotate</a:t>
-            </a:r>
-            <a:endParaRPr b="0" lang="en-US" sz="1800" spc="-1" strike="noStrike">
-              <a:latin typeface="Arial"/>
-            </a:endParaRPr>
-          </a:p>
-        </p:txBody>
-      </p:sp>
-      <p:sp>
-        <p:nvSpPr>
           <p:cNvPr id="51" name="CustomShape 13"/>
           <p:cNvSpPr/>
           <p:nvPr/>
         </p:nvSpPr>
         <p:spPr>
-          <a:xfrm rot="10800000">
-            <a:off x="7482240" y="4821480"/>
-            <a:ext cx="747360" cy="436320"/>
-          </a:xfrm>
-          <a:custGeom>
-            <a:avLst/>
-            <a:gdLst/>
-            <a:ahLst/>
-            <a:rect l="l" t="t" r="r" b="b"/>
-            <a:pathLst>
-              <a:path w="21600" h="21600">
-                <a:moveTo>
-                  <a:pt x="0" y="0"/>
-                </a:moveTo>
-                <a:lnTo>
-                  <a:pt x="21600" y="21600"/>
-                </a:lnTo>
-              </a:path>
-            </a:pathLst>
-          </a:custGeom>
-          <a:noFill/>
-          <a:ln w="9525">
-            <a:solidFill>
-              <a:srgbClr val="ff0000"/>
-            </a:solidFill>
-            <a:miter/>
-            <a:tailEnd len="med" type="triangle" w="med"/>
-          </a:ln>
-        </p:spPr>
-        <p:style>
-          <a:lnRef idx="0"/>
-          <a:fillRef idx="0"/>
-          <a:effectRef idx="0"/>
-          <a:fontRef idx="minor"/>
-        </p:style>
-      </p:sp>
-      <p:sp>
-        <p:nvSpPr>
-          <p:cNvPr id="52" name="CustomShape 14"/>
-          <p:cNvSpPr/>
-          <p:nvPr/>
-        </p:nvSpPr>
-        <p:spPr>
           <a:xfrm>
             <a:off x="9440280" y="4165200"/>
-            <a:ext cx="2218320" cy="912600"/>
+            <a:ext cx="2217960" cy="912600"/>
           </a:xfrm>
           <a:prstGeom prst="rect">
             <a:avLst/>
@@ -2629,14 +2411,14 @@
       </p:sp>
       <p:sp>
         <p:nvSpPr>
-          <p:cNvPr id="53" name="CustomShape 15"/>
+          <p:cNvPr id="52" name="CustomShape 14"/>
           <p:cNvSpPr/>
           <p:nvPr/>
         </p:nvSpPr>
         <p:spPr>
           <a:xfrm>
             <a:off x="228600" y="2241360"/>
-            <a:ext cx="2295360" cy="1187640"/>
+            <a:ext cx="2295000" cy="1187280"/>
           </a:xfrm>
           <a:prstGeom prst="rect">
             <a:avLst/>
@@ -2706,14 +2488,14 @@
       </p:sp>
       <p:sp>
         <p:nvSpPr>
-          <p:cNvPr id="54" name="CustomShape 16"/>
+          <p:cNvPr id="53" name="CustomShape 15"/>
           <p:cNvSpPr/>
           <p:nvPr/>
         </p:nvSpPr>
         <p:spPr>
           <a:xfrm flipV="1">
-            <a:off x="2057400" y="2748960"/>
-            <a:ext cx="1850400" cy="222480"/>
+            <a:off x="2057400" y="2747880"/>
+            <a:ext cx="1850040" cy="222120"/>
           </a:xfrm>
           <a:custGeom>
             <a:avLst/>
